--- a/Caro.pptx
+++ b/Caro.pptx
@@ -7,6 +7,13 @@
   <p:sldIdLst>
     <p:sldId id="256" r:id="rId2"/>
     <p:sldId id="257" r:id="rId3"/>
+    <p:sldId id="258" r:id="rId4"/>
+    <p:sldId id="259" r:id="rId5"/>
+    <p:sldId id="260" r:id="rId6"/>
+    <p:sldId id="261" r:id="rId7"/>
+    <p:sldId id="263" r:id="rId8"/>
+    <p:sldId id="264" r:id="rId9"/>
+    <p:sldId id="265" r:id="rId10"/>
   </p:sldIdLst>
   <p:sldSz cx="12192000" cy="6858000"/>
   <p:notesSz cx="6858000" cy="9144000"/>
@@ -256,7 +263,7 @@
           <a:p>
             <a:fld id="{9D4AEE73-796F-4DF4-A5A2-C7216652B813}" type="datetimeFigureOut">
               <a:rPr lang="en-US" smtClean="0"/>
-              <a:t>4/7/2019</a:t>
+              <a:t>4/8/2019</a:t>
             </a:fld>
             <a:endParaRPr lang="en-US"/>
           </a:p>
@@ -426,7 +433,7 @@
           <a:p>
             <a:fld id="{9D4AEE73-796F-4DF4-A5A2-C7216652B813}" type="datetimeFigureOut">
               <a:rPr lang="en-US" smtClean="0"/>
-              <a:t>4/7/2019</a:t>
+              <a:t>4/8/2019</a:t>
             </a:fld>
             <a:endParaRPr lang="en-US"/>
           </a:p>
@@ -606,7 +613,7 @@
           <a:p>
             <a:fld id="{9D4AEE73-796F-4DF4-A5A2-C7216652B813}" type="datetimeFigureOut">
               <a:rPr lang="en-US" smtClean="0"/>
-              <a:t>4/7/2019</a:t>
+              <a:t>4/8/2019</a:t>
             </a:fld>
             <a:endParaRPr lang="en-US"/>
           </a:p>
@@ -776,7 +783,7 @@
           <a:p>
             <a:fld id="{9D4AEE73-796F-4DF4-A5A2-C7216652B813}" type="datetimeFigureOut">
               <a:rPr lang="en-US" smtClean="0"/>
-              <a:t>4/7/2019</a:t>
+              <a:t>4/8/2019</a:t>
             </a:fld>
             <a:endParaRPr lang="en-US"/>
           </a:p>
@@ -1020,7 +1027,7 @@
           <a:p>
             <a:fld id="{9D4AEE73-796F-4DF4-A5A2-C7216652B813}" type="datetimeFigureOut">
               <a:rPr lang="en-US" smtClean="0"/>
-              <a:t>4/7/2019</a:t>
+              <a:t>4/8/2019</a:t>
             </a:fld>
             <a:endParaRPr lang="en-US"/>
           </a:p>
@@ -1252,7 +1259,7 @@
           <a:p>
             <a:fld id="{9D4AEE73-796F-4DF4-A5A2-C7216652B813}" type="datetimeFigureOut">
               <a:rPr lang="en-US" smtClean="0"/>
-              <a:t>4/7/2019</a:t>
+              <a:t>4/8/2019</a:t>
             </a:fld>
             <a:endParaRPr lang="en-US"/>
           </a:p>
@@ -1619,7 +1626,7 @@
           <a:p>
             <a:fld id="{9D4AEE73-796F-4DF4-A5A2-C7216652B813}" type="datetimeFigureOut">
               <a:rPr lang="en-US" smtClean="0"/>
-              <a:t>4/7/2019</a:t>
+              <a:t>4/8/2019</a:t>
             </a:fld>
             <a:endParaRPr lang="en-US"/>
           </a:p>
@@ -1737,7 +1744,7 @@
           <a:p>
             <a:fld id="{9D4AEE73-796F-4DF4-A5A2-C7216652B813}" type="datetimeFigureOut">
               <a:rPr lang="en-US" smtClean="0"/>
-              <a:t>4/7/2019</a:t>
+              <a:t>4/8/2019</a:t>
             </a:fld>
             <a:endParaRPr lang="en-US"/>
           </a:p>
@@ -1832,7 +1839,7 @@
           <a:p>
             <a:fld id="{9D4AEE73-796F-4DF4-A5A2-C7216652B813}" type="datetimeFigureOut">
               <a:rPr lang="en-US" smtClean="0"/>
-              <a:t>4/7/2019</a:t>
+              <a:t>4/8/2019</a:t>
             </a:fld>
             <a:endParaRPr lang="en-US"/>
           </a:p>
@@ -2109,7 +2116,7 @@
           <a:p>
             <a:fld id="{9D4AEE73-796F-4DF4-A5A2-C7216652B813}" type="datetimeFigureOut">
               <a:rPr lang="en-US" smtClean="0"/>
-              <a:t>4/7/2019</a:t>
+              <a:t>4/8/2019</a:t>
             </a:fld>
             <a:endParaRPr lang="en-US"/>
           </a:p>
@@ -2365,7 +2372,7 @@
           <a:p>
             <a:fld id="{9D4AEE73-796F-4DF4-A5A2-C7216652B813}" type="datetimeFigureOut">
               <a:rPr lang="en-US" smtClean="0"/>
-              <a:t>4/7/2019</a:t>
+              <a:t>4/8/2019</a:t>
             </a:fld>
             <a:endParaRPr lang="en-US"/>
           </a:p>
@@ -2587,7 +2594,7 @@
           <a:p>
             <a:fld id="{9D4AEE73-796F-4DF4-A5A2-C7216652B813}" type="datetimeFigureOut">
               <a:rPr lang="en-US" smtClean="0"/>
-              <a:t>4/7/2019</a:t>
+              <a:t>4/8/2019</a:t>
             </a:fld>
             <a:endParaRPr lang="en-US"/>
           </a:p>
@@ -3426,12 +3433,650 @@
           <a:chExt cx="0" cy="0"/>
         </a:xfrm>
       </p:grpSpPr>
+      <p:grpSp>
+        <p:nvGrpSpPr>
+          <p:cNvPr id="2" name="Group 1">
+            <a:extLst>
+              <a:ext uri="{FF2B5EF4-FFF2-40B4-BE49-F238E27FC236}">
+                <a16:creationId xmlns:a16="http://schemas.microsoft.com/office/drawing/2014/main" id="{9937FEB1-8A05-404F-AD29-C0DA01E459D2}"/>
+              </a:ext>
+            </a:extLst>
+          </p:cNvPr>
+          <p:cNvGrpSpPr/>
+          <p:nvPr/>
+        </p:nvGrpSpPr>
+        <p:grpSpPr>
+          <a:xfrm>
+            <a:off x="432777" y="591220"/>
+            <a:ext cx="11326446" cy="5654384"/>
+            <a:chOff x="432777" y="454060"/>
+            <a:chExt cx="11326446" cy="5654384"/>
+          </a:xfrm>
+        </p:grpSpPr>
+        <p:sp>
+          <p:nvSpPr>
+            <p:cNvPr id="3" name="TextBox 2">
+              <a:extLst>
+                <a:ext uri="{FF2B5EF4-FFF2-40B4-BE49-F238E27FC236}">
+                  <a16:creationId xmlns:a16="http://schemas.microsoft.com/office/drawing/2014/main" id="{BB5E61E9-4FB2-4AFD-B01E-545C1483496E}"/>
+                </a:ext>
+              </a:extLst>
+            </p:cNvPr>
+            <p:cNvSpPr txBox="1"/>
+            <p:nvPr/>
+          </p:nvSpPr>
+          <p:spPr>
+            <a:xfrm>
+              <a:off x="5200280" y="454060"/>
+              <a:ext cx="1791439" cy="477054"/>
+            </a:xfrm>
+            <a:prstGeom prst="rect">
+              <a:avLst/>
+            </a:prstGeom>
+            <a:noFill/>
+          </p:spPr>
+          <p:txBody>
+            <a:bodyPr wrap="square" rtlCol="0">
+              <a:spAutoFit/>
+            </a:bodyPr>
+            <a:lstStyle/>
+            <a:p>
+              <a:r>
+                <a:rPr lang="en-US" sz="2500" b="1">
+                  <a:latin typeface="SVN-Servetica Medium" panose="020B0604020202020204" pitchFamily="34" charset="0"/>
+                  <a:cs typeface="Arial" panose="020B0604020202020204" pitchFamily="34" charset="0"/>
+                </a:rPr>
+                <a:t>Giao diện</a:t>
+              </a:r>
+            </a:p>
+          </p:txBody>
+        </p:sp>
+        <p:pic>
+          <p:nvPicPr>
+            <p:cNvPr id="4" name="Picture 3">
+              <a:extLst>
+                <a:ext uri="{FF2B5EF4-FFF2-40B4-BE49-F238E27FC236}">
+                  <a16:creationId xmlns:a16="http://schemas.microsoft.com/office/drawing/2014/main" id="{C9C79407-CB71-4722-B21A-DB6B9CC4E867}"/>
+                </a:ext>
+              </a:extLst>
+            </p:cNvPr>
+            <p:cNvPicPr/>
+            <p:nvPr/>
+          </p:nvPicPr>
+          <p:blipFill>
+            <a:blip r:embed="rId2">
+              <a:extLst>
+                <a:ext uri="{28A0092B-C50C-407E-A947-70E740481C1C}">
+                  <a14:useLocalDpi xmlns:a14="http://schemas.microsoft.com/office/drawing/2010/main" val="0"/>
+                </a:ext>
+              </a:extLst>
+            </a:blip>
+            <a:stretch>
+              <a:fillRect/>
+            </a:stretch>
+          </p:blipFill>
+          <p:spPr>
+            <a:xfrm>
+              <a:off x="432777" y="1154747"/>
+              <a:ext cx="5943600" cy="4548505"/>
+            </a:xfrm>
+            <a:prstGeom prst="rect">
+              <a:avLst/>
+            </a:prstGeom>
+          </p:spPr>
+        </p:pic>
+        <p:pic>
+          <p:nvPicPr>
+            <p:cNvPr id="5" name="Picture 4">
+              <a:extLst>
+                <a:ext uri="{FF2B5EF4-FFF2-40B4-BE49-F238E27FC236}">
+                  <a16:creationId xmlns:a16="http://schemas.microsoft.com/office/drawing/2014/main" id="{99C370A4-6672-49AC-8645-31E3169AB50B}"/>
+                </a:ext>
+              </a:extLst>
+            </p:cNvPr>
+            <p:cNvPicPr/>
+            <p:nvPr/>
+          </p:nvPicPr>
+          <p:blipFill rotWithShape="1">
+            <a:blip r:embed="rId3">
+              <a:extLst>
+                <a:ext uri="{28A0092B-C50C-407E-A947-70E740481C1C}">
+                  <a14:useLocalDpi xmlns:a14="http://schemas.microsoft.com/office/drawing/2010/main" val="0"/>
+                </a:ext>
+              </a:extLst>
+            </a:blip>
+            <a:srcRect b="12241"/>
+            <a:stretch/>
+          </p:blipFill>
+          <p:spPr>
+            <a:xfrm>
+              <a:off x="6557938" y="1154747"/>
+              <a:ext cx="5201285" cy="1604929"/>
+            </a:xfrm>
+            <a:prstGeom prst="rect">
+              <a:avLst/>
+            </a:prstGeom>
+          </p:spPr>
+        </p:pic>
+        <p:pic>
+          <p:nvPicPr>
+            <p:cNvPr id="6" name="Picture 5">
+              <a:extLst>
+                <a:ext uri="{FF2B5EF4-FFF2-40B4-BE49-F238E27FC236}">
+                  <a16:creationId xmlns:a16="http://schemas.microsoft.com/office/drawing/2014/main" id="{8DB21BA2-9193-4C94-8D38-561AAA5BA6B7}"/>
+                </a:ext>
+              </a:extLst>
+            </p:cNvPr>
+            <p:cNvPicPr/>
+            <p:nvPr/>
+          </p:nvPicPr>
+          <p:blipFill rotWithShape="1">
+            <a:blip r:embed="rId4">
+              <a:extLst>
+                <a:ext uri="{28A0092B-C50C-407E-A947-70E740481C1C}">
+                  <a14:useLocalDpi xmlns:a14="http://schemas.microsoft.com/office/drawing/2010/main" val="0"/>
+                </a:ext>
+              </a:extLst>
+            </a:blip>
+            <a:srcRect l="6666" t="10031" b="1"/>
+            <a:stretch/>
+          </p:blipFill>
+          <p:spPr>
+            <a:xfrm>
+              <a:off x="6557938" y="3253946"/>
+              <a:ext cx="5201285" cy="2425176"/>
+            </a:xfrm>
+            <a:prstGeom prst="rect">
+              <a:avLst/>
+            </a:prstGeom>
+          </p:spPr>
+        </p:pic>
+        <p:sp>
+          <p:nvSpPr>
+            <p:cNvPr id="7" name="TextBox 6">
+              <a:extLst>
+                <a:ext uri="{FF2B5EF4-FFF2-40B4-BE49-F238E27FC236}">
+                  <a16:creationId xmlns:a16="http://schemas.microsoft.com/office/drawing/2014/main" id="{113ABD48-AB9B-4655-BC72-A96613FC97B3}"/>
+                </a:ext>
+              </a:extLst>
+            </p:cNvPr>
+            <p:cNvSpPr txBox="1"/>
+            <p:nvPr/>
+          </p:nvSpPr>
+          <p:spPr>
+            <a:xfrm>
+              <a:off x="1487468" y="5785279"/>
+              <a:ext cx="3834217" cy="323165"/>
+            </a:xfrm>
+            <a:prstGeom prst="rect">
+              <a:avLst/>
+            </a:prstGeom>
+            <a:noFill/>
+          </p:spPr>
+          <p:txBody>
+            <a:bodyPr wrap="square" rtlCol="0">
+              <a:spAutoFit/>
+            </a:bodyPr>
+            <a:lstStyle/>
+            <a:p>
+              <a:pPr algn="ctr"/>
+              <a:r>
+                <a:rPr lang="en-US" sz="1500" i="1">
+                  <a:solidFill>
+                    <a:schemeClr val="bg1">
+                      <a:lumMod val="50000"/>
+                    </a:schemeClr>
+                  </a:solidFill>
+                  <a:latin typeface="SVN-Servetica Medium" panose="020B0604020202020204" pitchFamily="34" charset="0"/>
+                  <a:cs typeface="Arial" panose="020B0604020202020204" pitchFamily="34" charset="0"/>
+                </a:rPr>
+                <a:t>Giao diện chính</a:t>
+              </a:r>
+            </a:p>
+          </p:txBody>
+        </p:sp>
+        <p:sp>
+          <p:nvSpPr>
+            <p:cNvPr id="8" name="TextBox 7">
+              <a:extLst>
+                <a:ext uri="{FF2B5EF4-FFF2-40B4-BE49-F238E27FC236}">
+                  <a16:creationId xmlns:a16="http://schemas.microsoft.com/office/drawing/2014/main" id="{3D72DFAB-2841-4F7D-AE94-5DD9F94B53CE}"/>
+                </a:ext>
+              </a:extLst>
+            </p:cNvPr>
+            <p:cNvSpPr txBox="1"/>
+            <p:nvPr/>
+          </p:nvSpPr>
+          <p:spPr>
+            <a:xfrm>
+              <a:off x="7241471" y="5785278"/>
+              <a:ext cx="3834217" cy="323165"/>
+            </a:xfrm>
+            <a:prstGeom prst="rect">
+              <a:avLst/>
+            </a:prstGeom>
+            <a:noFill/>
+          </p:spPr>
+          <p:txBody>
+            <a:bodyPr wrap="square" rtlCol="0">
+              <a:spAutoFit/>
+            </a:bodyPr>
+            <a:lstStyle/>
+            <a:p>
+              <a:pPr algn="ctr"/>
+              <a:r>
+                <a:rPr lang="en-US" sz="1500" i="1">
+                  <a:solidFill>
+                    <a:schemeClr val="bg1">
+                      <a:lumMod val="50000"/>
+                    </a:schemeClr>
+                  </a:solidFill>
+                  <a:latin typeface="SVN-Servetica Medium" panose="020B0604020202020204" pitchFamily="34" charset="0"/>
+                  <a:cs typeface="Arial" panose="020B0604020202020204" pitchFamily="34" charset="0"/>
+                </a:rPr>
+                <a:t>Xử lý thắng thua</a:t>
+              </a:r>
+            </a:p>
+          </p:txBody>
+        </p:sp>
+        <p:sp>
+          <p:nvSpPr>
+            <p:cNvPr id="9" name="TextBox 8">
+              <a:extLst>
+                <a:ext uri="{FF2B5EF4-FFF2-40B4-BE49-F238E27FC236}">
+                  <a16:creationId xmlns:a16="http://schemas.microsoft.com/office/drawing/2014/main" id="{BB17D0C9-30C4-4378-B74E-B861EF71AF7E}"/>
+                </a:ext>
+              </a:extLst>
+            </p:cNvPr>
+            <p:cNvSpPr txBox="1"/>
+            <p:nvPr/>
+          </p:nvSpPr>
+          <p:spPr>
+            <a:xfrm>
+              <a:off x="7241471" y="2845228"/>
+              <a:ext cx="3834217" cy="323165"/>
+            </a:xfrm>
+            <a:prstGeom prst="rect">
+              <a:avLst/>
+            </a:prstGeom>
+            <a:noFill/>
+          </p:spPr>
+          <p:txBody>
+            <a:bodyPr wrap="square" rtlCol="0">
+              <a:spAutoFit/>
+            </a:bodyPr>
+            <a:lstStyle/>
+            <a:p>
+              <a:pPr algn="ctr"/>
+              <a:r>
+                <a:rPr lang="en-US" sz="1500" i="1">
+                  <a:solidFill>
+                    <a:schemeClr val="bg1">
+                      <a:lumMod val="50000"/>
+                    </a:schemeClr>
+                  </a:solidFill>
+                  <a:latin typeface="SVN-Servetica Medium" panose="020B0604020202020204" pitchFamily="34" charset="0"/>
+                  <a:cs typeface="Arial" panose="020B0604020202020204" pitchFamily="34" charset="0"/>
+                </a:rPr>
+                <a:t>Các chức năng của trò ch</a:t>
+              </a:r>
+              <a:r>
+                <a:rPr lang="vi-VN" sz="1500" i="1">
+                  <a:solidFill>
+                    <a:schemeClr val="bg1">
+                      <a:lumMod val="50000"/>
+                    </a:schemeClr>
+                  </a:solidFill>
+                  <a:latin typeface="SVN-Servetica Medium" panose="020B0604020202020204" pitchFamily="34" charset="0"/>
+                  <a:cs typeface="Arial" panose="020B0604020202020204" pitchFamily="34" charset="0"/>
+                </a:rPr>
+                <a:t>ơ</a:t>
+              </a:r>
+              <a:r>
+                <a:rPr lang="en-US" sz="1500" i="1">
+                  <a:solidFill>
+                    <a:schemeClr val="bg1">
+                      <a:lumMod val="50000"/>
+                    </a:schemeClr>
+                  </a:solidFill>
+                  <a:latin typeface="SVN-Servetica Medium" panose="020B0604020202020204" pitchFamily="34" charset="0"/>
+                  <a:cs typeface="Arial" panose="020B0604020202020204" pitchFamily="34" charset="0"/>
+                </a:rPr>
+                <a:t>i</a:t>
+              </a:r>
+            </a:p>
+          </p:txBody>
+        </p:sp>
+      </p:grpSp>
       <p:pic>
         <p:nvPicPr>
-          <p:cNvPr id="11" name="Picture 10">
+          <p:cNvPr id="12" name="Picture 11">
             <a:extLst>
               <a:ext uri="{FF2B5EF4-FFF2-40B4-BE49-F238E27FC236}">
-                <a16:creationId xmlns:a16="http://schemas.microsoft.com/office/drawing/2014/main" id="{A8257E9B-F459-4651-B742-60E20F28D245}"/>
+                <a16:creationId xmlns:a16="http://schemas.microsoft.com/office/drawing/2014/main" id="{266742C1-7B7F-4D71-B50E-9F522D46C422}"/>
+              </a:ext>
+            </a:extLst>
+          </p:cNvPr>
+          <p:cNvPicPr>
+            <a:picLocks noChangeAspect="1"/>
+          </p:cNvPicPr>
+          <p:nvPr/>
+        </p:nvPicPr>
+        <p:blipFill>
+          <a:blip r:embed="rId5">
+            <a:extLst>
+              <a:ext uri="{BEBA8EAE-BF5A-486C-A8C5-ECC9F3942E4B}">
+                <a14:imgProps xmlns:a14="http://schemas.microsoft.com/office/drawing/2010/main">
+                  <a14:imgLayer r:embed="rId6">
+                    <a14:imgEffect>
+                      <a14:artisticPencilGrayscale/>
+                    </a14:imgEffect>
+                  </a14:imgLayer>
+                </a14:imgProps>
+              </a:ext>
+              <a:ext uri="{28A0092B-C50C-407E-A947-70E740481C1C}">
+                <a14:useLocalDpi xmlns:a14="http://schemas.microsoft.com/office/drawing/2010/main" val="0"/>
+              </a:ext>
+            </a:extLst>
+          </a:blip>
+          <a:stretch>
+            <a:fillRect/>
+          </a:stretch>
+        </p:blipFill>
+        <p:spPr>
+          <a:xfrm>
+            <a:off x="8586188" y="334328"/>
+            <a:ext cx="3259651" cy="274320"/>
+          </a:xfrm>
+          <a:prstGeom prst="rect">
+            <a:avLst/>
+          </a:prstGeom>
+        </p:spPr>
+      </p:pic>
+    </p:spTree>
+    <p:extLst>
+      <p:ext uri="{BB962C8B-B14F-4D97-AF65-F5344CB8AC3E}">
+        <p14:creationId xmlns:p14="http://schemas.microsoft.com/office/powerpoint/2010/main" val="4260428238"/>
+      </p:ext>
+    </p:extLst>
+  </p:cSld>
+  <p:clrMapOvr>
+    <a:masterClrMapping/>
+  </p:clrMapOvr>
+</p:sld>
+</file>
+
+<file path=ppt/slides/slide3.xml><?xml version="1.0" encoding="utf-8"?>
+<p:sld xmlns:a="http://schemas.openxmlformats.org/drawingml/2006/main" xmlns:r="http://schemas.openxmlformats.org/officeDocument/2006/relationships" xmlns:p="http://schemas.openxmlformats.org/presentationml/2006/main">
+  <p:cSld>
+    <p:spTree>
+      <p:nvGrpSpPr>
+        <p:cNvPr id="1" name=""/>
+        <p:cNvGrpSpPr/>
+        <p:nvPr/>
+      </p:nvGrpSpPr>
+      <p:grpSpPr>
+        <a:xfrm>
+          <a:off x="0" y="0"/>
+          <a:ext cx="0" cy="0"/>
+          <a:chOff x="0" y="0"/>
+          <a:chExt cx="0" cy="0"/>
+        </a:xfrm>
+      </p:grpSpPr>
+      <p:grpSp>
+        <p:nvGrpSpPr>
+          <p:cNvPr id="2" name="Group 1">
+            <a:extLst>
+              <a:ext uri="{FF2B5EF4-FFF2-40B4-BE49-F238E27FC236}">
+                <a16:creationId xmlns:a16="http://schemas.microsoft.com/office/drawing/2014/main" id="{EF163551-8493-446B-86AC-1F00DFCD5273}"/>
+              </a:ext>
+            </a:extLst>
+          </p:cNvPr>
+          <p:cNvGrpSpPr/>
+          <p:nvPr/>
+        </p:nvGrpSpPr>
+        <p:grpSpPr>
+          <a:xfrm>
+            <a:off x="1971341" y="1969099"/>
+            <a:ext cx="8255271" cy="2919802"/>
+            <a:chOff x="1971341" y="1550475"/>
+            <a:chExt cx="8255271" cy="2919802"/>
+          </a:xfrm>
+        </p:grpSpPr>
+        <p:sp>
+          <p:nvSpPr>
+            <p:cNvPr id="3" name="TextBox 2">
+              <a:extLst>
+                <a:ext uri="{FF2B5EF4-FFF2-40B4-BE49-F238E27FC236}">
+                  <a16:creationId xmlns:a16="http://schemas.microsoft.com/office/drawing/2014/main" id="{BB5E61E9-4FB2-4AFD-B01E-545C1483496E}"/>
+                </a:ext>
+              </a:extLst>
+            </p:cNvPr>
+            <p:cNvSpPr txBox="1"/>
+            <p:nvPr/>
+          </p:nvSpPr>
+          <p:spPr>
+            <a:xfrm>
+              <a:off x="5027286" y="1550475"/>
+              <a:ext cx="2137428" cy="477054"/>
+            </a:xfrm>
+            <a:prstGeom prst="rect">
+              <a:avLst/>
+            </a:prstGeom>
+            <a:noFill/>
+          </p:spPr>
+          <p:txBody>
+            <a:bodyPr wrap="square" rtlCol="0">
+              <a:spAutoFit/>
+            </a:bodyPr>
+            <a:lstStyle/>
+            <a:p>
+              <a:pPr algn="ctr"/>
+              <a:r>
+                <a:rPr lang="en-US" sz="2500" b="1">
+                  <a:latin typeface="SVN-Servetica Medium" panose="020B0604020202020204" pitchFamily="34" charset="0"/>
+                  <a:cs typeface="Arial" panose="020B0604020202020204" pitchFamily="34" charset="0"/>
+                </a:rPr>
+                <a:t>Chức năng</a:t>
+              </a:r>
+            </a:p>
+          </p:txBody>
+        </p:sp>
+        <p:sp>
+          <p:nvSpPr>
+            <p:cNvPr id="10" name="TextBox 9">
+              <a:extLst>
+                <a:ext uri="{FF2B5EF4-FFF2-40B4-BE49-F238E27FC236}">
+                  <a16:creationId xmlns:a16="http://schemas.microsoft.com/office/drawing/2014/main" id="{9D649F4C-0D5A-4D0A-8329-43F7B2BFFBC2}"/>
+                </a:ext>
+              </a:extLst>
+            </p:cNvPr>
+            <p:cNvSpPr txBox="1"/>
+            <p:nvPr/>
+          </p:nvSpPr>
+          <p:spPr>
+            <a:xfrm>
+              <a:off x="2124405" y="2238106"/>
+              <a:ext cx="7943190" cy="400110"/>
+            </a:xfrm>
+            <a:prstGeom prst="rect">
+              <a:avLst/>
+            </a:prstGeom>
+            <a:noFill/>
+          </p:spPr>
+          <p:txBody>
+            <a:bodyPr wrap="square" rtlCol="0">
+              <a:spAutoFit/>
+            </a:bodyPr>
+            <a:lstStyle/>
+            <a:p>
+              <a:pPr lvl="0" algn="ctr"/>
+              <a:r>
+                <a:rPr lang="en-US" sz="2000">
+                  <a:latin typeface="SVN-Servetica Medium" panose="020B0604020202020204" pitchFamily="34" charset="0"/>
+                </a:rPr>
+                <a:t>New Game: </a:t>
+              </a:r>
+              <a:r>
+                <a:rPr lang="en-US" sz="2000">
+                  <a:latin typeface="SVN-Servetica Thin" panose="020B0403020202020204" pitchFamily="34" charset="0"/>
+                </a:rPr>
+                <a:t>Xóa và tạo lại bàn cờ, lựa chọn chức năng để bắt đầu chơi.</a:t>
+              </a:r>
+            </a:p>
+          </p:txBody>
+        </p:sp>
+        <p:sp>
+          <p:nvSpPr>
+            <p:cNvPr id="12" name="TextBox 11">
+              <a:extLst>
+                <a:ext uri="{FF2B5EF4-FFF2-40B4-BE49-F238E27FC236}">
+                  <a16:creationId xmlns:a16="http://schemas.microsoft.com/office/drawing/2014/main" id="{B6D7BEA8-F798-4E75-B1D8-3FF294028ED1}"/>
+                </a:ext>
+              </a:extLst>
+            </p:cNvPr>
+            <p:cNvSpPr txBox="1"/>
+            <p:nvPr/>
+          </p:nvSpPr>
+          <p:spPr>
+            <a:xfrm>
+              <a:off x="1971341" y="2848793"/>
+              <a:ext cx="8255271" cy="400110"/>
+            </a:xfrm>
+            <a:prstGeom prst="rect">
+              <a:avLst/>
+            </a:prstGeom>
+            <a:noFill/>
+          </p:spPr>
+          <p:txBody>
+            <a:bodyPr wrap="square" rtlCol="0">
+              <a:spAutoFit/>
+            </a:bodyPr>
+            <a:lstStyle/>
+            <a:p>
+              <a:pPr lvl="0" algn="ctr"/>
+              <a:r>
+                <a:rPr lang="en-US" sz="2000">
+                  <a:latin typeface="SVN-Servetica Medium" panose="020B0604020202020204" pitchFamily="34" charset="0"/>
+                </a:rPr>
+                <a:t>Hint Move:</a:t>
+              </a:r>
+              <a:r>
+                <a:rPr lang="en-US" sz="2000">
+                  <a:latin typeface="SVN-Servetica Thin" panose="020B0403020202020204" pitchFamily="34" charset="0"/>
+                </a:rPr>
+                <a:t> Gợi ý nước đi tốt cho người chơi, sử dụng thuật toán của máy.</a:t>
+              </a:r>
+            </a:p>
+          </p:txBody>
+        </p:sp>
+        <p:sp>
+          <p:nvSpPr>
+            <p:cNvPr id="13" name="TextBox 12">
+              <a:extLst>
+                <a:ext uri="{FF2B5EF4-FFF2-40B4-BE49-F238E27FC236}">
+                  <a16:creationId xmlns:a16="http://schemas.microsoft.com/office/drawing/2014/main" id="{FA1C8586-8603-4481-9C3A-75981ADF9CB6}"/>
+                </a:ext>
+              </a:extLst>
+            </p:cNvPr>
+            <p:cNvSpPr txBox="1"/>
+            <p:nvPr/>
+          </p:nvSpPr>
+          <p:spPr>
+            <a:xfrm>
+              <a:off x="2124405" y="3459480"/>
+              <a:ext cx="7943190" cy="400110"/>
+            </a:xfrm>
+            <a:prstGeom prst="rect">
+              <a:avLst/>
+            </a:prstGeom>
+            <a:noFill/>
+          </p:spPr>
+          <p:txBody>
+            <a:bodyPr wrap="square" rtlCol="0">
+              <a:spAutoFit/>
+            </a:bodyPr>
+            <a:lstStyle/>
+            <a:p>
+              <a:pPr lvl="0" algn="ctr"/>
+              <a:r>
+                <a:rPr lang="en-US" sz="2000">
+                  <a:latin typeface="SVN-Servetica Medium" panose="020B0604020202020204" pitchFamily="34" charset="0"/>
+                </a:rPr>
+                <a:t>Undo: </a:t>
+              </a:r>
+              <a:r>
+                <a:rPr lang="en-US" sz="2000">
+                  <a:latin typeface="SVN-Servetica Thin" panose="020B0403020202020204" pitchFamily="34" charset="0"/>
+                </a:rPr>
+                <a:t>Hồi lại một nước đã đi.</a:t>
+              </a:r>
+            </a:p>
+          </p:txBody>
+        </p:sp>
+        <p:sp>
+          <p:nvSpPr>
+            <p:cNvPr id="14" name="TextBox 13">
+              <a:extLst>
+                <a:ext uri="{FF2B5EF4-FFF2-40B4-BE49-F238E27FC236}">
+                  <a16:creationId xmlns:a16="http://schemas.microsoft.com/office/drawing/2014/main" id="{45BCB2C4-C569-4AE8-8082-A45C7068D4F0}"/>
+                </a:ext>
+              </a:extLst>
+            </p:cNvPr>
+            <p:cNvSpPr txBox="1"/>
+            <p:nvPr/>
+          </p:nvSpPr>
+          <p:spPr>
+            <a:xfrm>
+              <a:off x="2124405" y="4070167"/>
+              <a:ext cx="7943190" cy="400110"/>
+            </a:xfrm>
+            <a:prstGeom prst="rect">
+              <a:avLst/>
+            </a:prstGeom>
+            <a:noFill/>
+          </p:spPr>
+          <p:txBody>
+            <a:bodyPr wrap="square" rtlCol="0">
+              <a:spAutoFit/>
+            </a:bodyPr>
+            <a:lstStyle/>
+            <a:p>
+              <a:pPr lvl="0" algn="ctr"/>
+              <a:r>
+                <a:rPr lang="en-US" sz="2000">
+                  <a:latin typeface="SVN-Servetica Medium" panose="020B0604020202020204" pitchFamily="34" charset="0"/>
+                </a:rPr>
+                <a:t>Exit: </a:t>
+              </a:r>
+              <a:r>
+                <a:rPr lang="en-US" sz="2000">
+                  <a:latin typeface="SVN-Servetica Thin" panose="020B0403020202020204" pitchFamily="34" charset="0"/>
+                </a:rPr>
+                <a:t>Thoát khỏi trò ch</a:t>
+              </a:r>
+              <a:r>
+                <a:rPr lang="vi-VN" sz="2000">
+                  <a:latin typeface="SVN-Servetica Thin" panose="020B0403020202020204" pitchFamily="34" charset="0"/>
+                </a:rPr>
+                <a:t>ơ</a:t>
+              </a:r>
+              <a:r>
+                <a:rPr lang="en-US" sz="2000">
+                  <a:latin typeface="SVN-Servetica Thin" panose="020B0403020202020204" pitchFamily="34" charset="0"/>
+                </a:rPr>
+                <a:t>i.</a:t>
+              </a:r>
+            </a:p>
+          </p:txBody>
+        </p:sp>
+      </p:grpSp>
+      <p:pic>
+        <p:nvPicPr>
+          <p:cNvPr id="15" name="Picture 14">
+            <a:extLst>
+              <a:ext uri="{FF2B5EF4-FFF2-40B4-BE49-F238E27FC236}">
+                <a16:creationId xmlns:a16="http://schemas.microsoft.com/office/drawing/2014/main" id="{27367106-2E06-4B87-91F5-CF00FC902DE5}"/>
               </a:ext>
             </a:extLst>
           </p:cNvPr>
@@ -3474,7 +4119,1437 @@
     </p:spTree>
     <p:extLst>
       <p:ext uri="{BB962C8B-B14F-4D97-AF65-F5344CB8AC3E}">
-        <p14:creationId xmlns:p14="http://schemas.microsoft.com/office/powerpoint/2010/main" val="4260428238"/>
+        <p14:creationId xmlns:p14="http://schemas.microsoft.com/office/powerpoint/2010/main" val="3726679861"/>
+      </p:ext>
+    </p:extLst>
+  </p:cSld>
+  <p:clrMapOvr>
+    <a:masterClrMapping/>
+  </p:clrMapOvr>
+</p:sld>
+</file>
+
+<file path=ppt/slides/slide4.xml><?xml version="1.0" encoding="utf-8"?>
+<p:sld xmlns:a="http://schemas.openxmlformats.org/drawingml/2006/main" xmlns:r="http://schemas.openxmlformats.org/officeDocument/2006/relationships" xmlns:p="http://schemas.openxmlformats.org/presentationml/2006/main">
+  <p:cSld>
+    <p:spTree>
+      <p:nvGrpSpPr>
+        <p:cNvPr id="1" name=""/>
+        <p:cNvGrpSpPr/>
+        <p:nvPr/>
+      </p:nvGrpSpPr>
+      <p:grpSpPr>
+        <a:xfrm>
+          <a:off x="0" y="0"/>
+          <a:ext cx="0" cy="0"/>
+          <a:chOff x="0" y="0"/>
+          <a:chExt cx="0" cy="0"/>
+        </a:xfrm>
+      </p:grpSpPr>
+      <p:pic>
+        <p:nvPicPr>
+          <p:cNvPr id="15" name="Picture 14">
+            <a:extLst>
+              <a:ext uri="{FF2B5EF4-FFF2-40B4-BE49-F238E27FC236}">
+                <a16:creationId xmlns:a16="http://schemas.microsoft.com/office/drawing/2014/main" id="{27367106-2E06-4B87-91F5-CF00FC902DE5}"/>
+              </a:ext>
+            </a:extLst>
+          </p:cNvPr>
+          <p:cNvPicPr>
+            <a:picLocks noChangeAspect="1"/>
+          </p:cNvPicPr>
+          <p:nvPr/>
+        </p:nvPicPr>
+        <p:blipFill>
+          <a:blip r:embed="rId2">
+            <a:extLst>
+              <a:ext uri="{BEBA8EAE-BF5A-486C-A8C5-ECC9F3942E4B}">
+                <a14:imgProps xmlns:a14="http://schemas.microsoft.com/office/drawing/2010/main">
+                  <a14:imgLayer r:embed="rId3">
+                    <a14:imgEffect>
+                      <a14:artisticPencilGrayscale/>
+                    </a14:imgEffect>
+                  </a14:imgLayer>
+                </a14:imgProps>
+              </a:ext>
+              <a:ext uri="{28A0092B-C50C-407E-A947-70E740481C1C}">
+                <a14:useLocalDpi xmlns:a14="http://schemas.microsoft.com/office/drawing/2010/main" val="0"/>
+              </a:ext>
+            </a:extLst>
+          </a:blip>
+          <a:stretch>
+            <a:fillRect/>
+          </a:stretch>
+        </p:blipFill>
+        <p:spPr>
+          <a:xfrm>
+            <a:off x="8586188" y="334328"/>
+            <a:ext cx="3259651" cy="274320"/>
+          </a:xfrm>
+          <a:prstGeom prst="rect">
+            <a:avLst/>
+          </a:prstGeom>
+        </p:spPr>
+      </p:pic>
+      <p:grpSp>
+        <p:nvGrpSpPr>
+          <p:cNvPr id="4" name="Group 3">
+            <a:extLst>
+              <a:ext uri="{FF2B5EF4-FFF2-40B4-BE49-F238E27FC236}">
+                <a16:creationId xmlns:a16="http://schemas.microsoft.com/office/drawing/2014/main" id="{12F8A563-8E57-4879-8914-8CDE374460C6}"/>
+              </a:ext>
+            </a:extLst>
+          </p:cNvPr>
+          <p:cNvGrpSpPr/>
+          <p:nvPr/>
+        </p:nvGrpSpPr>
+        <p:grpSpPr>
+          <a:xfrm>
+            <a:off x="2050196" y="1509536"/>
+            <a:ext cx="8091608" cy="3838927"/>
+            <a:chOff x="2124405" y="1969099"/>
+            <a:chExt cx="8091608" cy="3838927"/>
+          </a:xfrm>
+        </p:grpSpPr>
+        <p:sp>
+          <p:nvSpPr>
+            <p:cNvPr id="3" name="TextBox 2">
+              <a:extLst>
+                <a:ext uri="{FF2B5EF4-FFF2-40B4-BE49-F238E27FC236}">
+                  <a16:creationId xmlns:a16="http://schemas.microsoft.com/office/drawing/2014/main" id="{BB5E61E9-4FB2-4AFD-B01E-545C1483496E}"/>
+                </a:ext>
+              </a:extLst>
+            </p:cNvPr>
+            <p:cNvSpPr txBox="1"/>
+            <p:nvPr/>
+          </p:nvSpPr>
+          <p:spPr>
+            <a:xfrm>
+              <a:off x="5027286" y="1969099"/>
+              <a:ext cx="2137428" cy="477054"/>
+            </a:xfrm>
+            <a:prstGeom prst="rect">
+              <a:avLst/>
+            </a:prstGeom>
+            <a:noFill/>
+          </p:spPr>
+          <p:txBody>
+            <a:bodyPr wrap="square" rtlCol="0">
+              <a:spAutoFit/>
+            </a:bodyPr>
+            <a:lstStyle/>
+            <a:p>
+              <a:pPr algn="ctr"/>
+              <a:r>
+                <a:rPr lang="en-US" sz="2500" b="1">
+                  <a:latin typeface="SVN-Servetica Medium" panose="020B0604020202020204" pitchFamily="34" charset="0"/>
+                  <a:cs typeface="Arial" panose="020B0604020202020204" pitchFamily="34" charset="0"/>
+                </a:rPr>
+                <a:t>Class</a:t>
+              </a:r>
+            </a:p>
+          </p:txBody>
+        </p:sp>
+        <p:sp>
+          <p:nvSpPr>
+            <p:cNvPr id="10" name="TextBox 9">
+              <a:extLst>
+                <a:ext uri="{FF2B5EF4-FFF2-40B4-BE49-F238E27FC236}">
+                  <a16:creationId xmlns:a16="http://schemas.microsoft.com/office/drawing/2014/main" id="{9D649F4C-0D5A-4D0A-8329-43F7B2BFFBC2}"/>
+                </a:ext>
+              </a:extLst>
+            </p:cNvPr>
+            <p:cNvSpPr txBox="1"/>
+            <p:nvPr/>
+          </p:nvSpPr>
+          <p:spPr>
+            <a:xfrm>
+              <a:off x="2124405" y="2656730"/>
+              <a:ext cx="7943190" cy="707886"/>
+            </a:xfrm>
+            <a:prstGeom prst="rect">
+              <a:avLst/>
+            </a:prstGeom>
+            <a:noFill/>
+          </p:spPr>
+          <p:txBody>
+            <a:bodyPr wrap="square" rtlCol="0">
+              <a:spAutoFit/>
+            </a:bodyPr>
+            <a:lstStyle/>
+            <a:p>
+              <a:pPr lvl="0" algn="ctr"/>
+              <a:r>
+                <a:rPr lang="en-US" sz="2000">
+                  <a:latin typeface="SVN-Servetica Medium" panose="020B0604020202020204" pitchFamily="34" charset="0"/>
+                </a:rPr>
+                <a:t>Value.cs: </a:t>
+              </a:r>
+              <a:r>
+                <a:rPr lang="en-US" sz="2000">
+                  <a:latin typeface="SVN-Servetica Thin" panose="020B0403020202020204" pitchFamily="34" charset="0"/>
+                </a:rPr>
+                <a:t>Chứa các biến về thông số của bàn cờ, phương thức phục vụ cho việc xử lí các thao tác đánh cờ, lượng giá, xử lý AI,...</a:t>
+              </a:r>
+            </a:p>
+          </p:txBody>
+        </p:sp>
+        <p:sp>
+          <p:nvSpPr>
+            <p:cNvPr id="9" name="TextBox 8">
+              <a:extLst>
+                <a:ext uri="{FF2B5EF4-FFF2-40B4-BE49-F238E27FC236}">
+                  <a16:creationId xmlns:a16="http://schemas.microsoft.com/office/drawing/2014/main" id="{D663419C-D2EC-4F53-9D37-A78EACFA75D5}"/>
+                </a:ext>
+              </a:extLst>
+            </p:cNvPr>
+            <p:cNvSpPr txBox="1"/>
+            <p:nvPr/>
+          </p:nvSpPr>
+          <p:spPr>
+            <a:xfrm>
+              <a:off x="2124405" y="3575193"/>
+              <a:ext cx="7943190" cy="707886"/>
+            </a:xfrm>
+            <a:prstGeom prst="rect">
+              <a:avLst/>
+            </a:prstGeom>
+            <a:noFill/>
+          </p:spPr>
+          <p:txBody>
+            <a:bodyPr wrap="square" rtlCol="0">
+              <a:spAutoFit/>
+            </a:bodyPr>
+            <a:lstStyle/>
+            <a:p>
+              <a:pPr lvl="0" algn="ctr"/>
+              <a:r>
+                <a:rPr lang="en-US" sz="2000">
+                  <a:latin typeface="SVN-Servetica Medium" panose="020B0604020202020204" pitchFamily="34" charset="0"/>
+                </a:rPr>
+                <a:t>Algorithm.cs: </a:t>
+              </a:r>
+              <a:r>
+                <a:rPr lang="en-US" sz="2000">
+                  <a:latin typeface="SVN-Servetica Thin" panose="020B0403020202020204" pitchFamily="34" charset="0"/>
+                </a:rPr>
+                <a:t>Chứa tất cả các thuật toán liên quan đến trò chơi như tạo bàn cờ, xử lý lượt đánh của người chơi, xử lý thắng thua, thuật toán AI,...</a:t>
+              </a:r>
+            </a:p>
+          </p:txBody>
+        </p:sp>
+        <p:sp>
+          <p:nvSpPr>
+            <p:cNvPr id="11" name="TextBox 10">
+              <a:extLst>
+                <a:ext uri="{FF2B5EF4-FFF2-40B4-BE49-F238E27FC236}">
+                  <a16:creationId xmlns:a16="http://schemas.microsoft.com/office/drawing/2014/main" id="{DE290CF7-7CFB-4A57-9D2C-0655F508AC4C}"/>
+                </a:ext>
+              </a:extLst>
+            </p:cNvPr>
+            <p:cNvSpPr txBox="1"/>
+            <p:nvPr/>
+          </p:nvSpPr>
+          <p:spPr>
+            <a:xfrm>
+              <a:off x="2124405" y="4493656"/>
+              <a:ext cx="7943190" cy="707886"/>
+            </a:xfrm>
+            <a:prstGeom prst="rect">
+              <a:avLst/>
+            </a:prstGeom>
+            <a:noFill/>
+          </p:spPr>
+          <p:txBody>
+            <a:bodyPr wrap="square" rtlCol="0">
+              <a:spAutoFit/>
+            </a:bodyPr>
+            <a:lstStyle/>
+            <a:p>
+              <a:pPr lvl="0" algn="ctr"/>
+              <a:r>
+                <a:rPr lang="en-US" sz="2000">
+                  <a:latin typeface="SVN-Servetica Medium" panose="020B0604020202020204" pitchFamily="34" charset="0"/>
+                </a:rPr>
+                <a:t>Board.cs: </a:t>
+              </a:r>
+              <a:r>
+                <a:rPr lang="en-US" sz="2000">
+                  <a:latin typeface="SVN-Servetica Thin" panose="020B0403020202020204" pitchFamily="34" charset="0"/>
+                </a:rPr>
+                <a:t>Chứa Panel bàn cờ, các sự kiện (Event) của các Button ứng với mỗi chức năng trong trò chơi.</a:t>
+              </a:r>
+            </a:p>
+          </p:txBody>
+        </p:sp>
+        <p:sp>
+          <p:nvSpPr>
+            <p:cNvPr id="16" name="TextBox 15">
+              <a:extLst>
+                <a:ext uri="{FF2B5EF4-FFF2-40B4-BE49-F238E27FC236}">
+                  <a16:creationId xmlns:a16="http://schemas.microsoft.com/office/drawing/2014/main" id="{772B613B-A889-446B-B727-7B71BEDCACDA}"/>
+                </a:ext>
+              </a:extLst>
+            </p:cNvPr>
+            <p:cNvSpPr txBox="1"/>
+            <p:nvPr/>
+          </p:nvSpPr>
+          <p:spPr>
+            <a:xfrm>
+              <a:off x="2272823" y="5407916"/>
+              <a:ext cx="7943190" cy="400110"/>
+            </a:xfrm>
+            <a:prstGeom prst="rect">
+              <a:avLst/>
+            </a:prstGeom>
+            <a:noFill/>
+          </p:spPr>
+          <p:txBody>
+            <a:bodyPr wrap="square" rtlCol="0">
+              <a:spAutoFit/>
+            </a:bodyPr>
+            <a:lstStyle/>
+            <a:p>
+              <a:pPr lvl="0" algn="ctr"/>
+              <a:r>
+                <a:rPr lang="en-US" sz="2000">
+                  <a:latin typeface="SVN-Servetica Medium" panose="020B0604020202020204" pitchFamily="34" charset="0"/>
+                </a:rPr>
+                <a:t>About.cs: </a:t>
+              </a:r>
+              <a:r>
+                <a:rPr lang="en-US" sz="2000">
+                  <a:latin typeface="SVN-Servetica Thin" panose="020B0403020202020204" pitchFamily="34" charset="0"/>
+                </a:rPr>
+                <a:t>Form về thông tin của người lập trình trò chơi.</a:t>
+              </a:r>
+            </a:p>
+          </p:txBody>
+        </p:sp>
+      </p:grpSp>
+    </p:spTree>
+    <p:extLst>
+      <p:ext uri="{BB962C8B-B14F-4D97-AF65-F5344CB8AC3E}">
+        <p14:creationId xmlns:p14="http://schemas.microsoft.com/office/powerpoint/2010/main" val="4172124309"/>
+      </p:ext>
+    </p:extLst>
+  </p:cSld>
+  <p:clrMapOvr>
+    <a:masterClrMapping/>
+  </p:clrMapOvr>
+</p:sld>
+</file>
+
+<file path=ppt/slides/slide5.xml><?xml version="1.0" encoding="utf-8"?>
+<p:sld xmlns:a="http://schemas.openxmlformats.org/drawingml/2006/main" xmlns:r="http://schemas.openxmlformats.org/officeDocument/2006/relationships" xmlns:p="http://schemas.openxmlformats.org/presentationml/2006/main">
+  <p:cSld>
+    <p:spTree>
+      <p:nvGrpSpPr>
+        <p:cNvPr id="1" name=""/>
+        <p:cNvGrpSpPr/>
+        <p:nvPr/>
+      </p:nvGrpSpPr>
+      <p:grpSpPr>
+        <a:xfrm>
+          <a:off x="0" y="0"/>
+          <a:ext cx="0" cy="0"/>
+          <a:chOff x="0" y="0"/>
+          <a:chExt cx="0" cy="0"/>
+        </a:xfrm>
+      </p:grpSpPr>
+      <p:pic>
+        <p:nvPicPr>
+          <p:cNvPr id="15" name="Picture 14">
+            <a:extLst>
+              <a:ext uri="{FF2B5EF4-FFF2-40B4-BE49-F238E27FC236}">
+                <a16:creationId xmlns:a16="http://schemas.microsoft.com/office/drawing/2014/main" id="{27367106-2E06-4B87-91F5-CF00FC902DE5}"/>
+              </a:ext>
+            </a:extLst>
+          </p:cNvPr>
+          <p:cNvPicPr>
+            <a:picLocks noChangeAspect="1"/>
+          </p:cNvPicPr>
+          <p:nvPr/>
+        </p:nvPicPr>
+        <p:blipFill>
+          <a:blip r:embed="rId2">
+            <a:extLst>
+              <a:ext uri="{BEBA8EAE-BF5A-486C-A8C5-ECC9F3942E4B}">
+                <a14:imgProps xmlns:a14="http://schemas.microsoft.com/office/drawing/2010/main">
+                  <a14:imgLayer r:embed="rId3">
+                    <a14:imgEffect>
+                      <a14:artisticPencilGrayscale/>
+                    </a14:imgEffect>
+                  </a14:imgLayer>
+                </a14:imgProps>
+              </a:ext>
+              <a:ext uri="{28A0092B-C50C-407E-A947-70E740481C1C}">
+                <a14:useLocalDpi xmlns:a14="http://schemas.microsoft.com/office/drawing/2010/main" val="0"/>
+              </a:ext>
+            </a:extLst>
+          </a:blip>
+          <a:stretch>
+            <a:fillRect/>
+          </a:stretch>
+        </p:blipFill>
+        <p:spPr>
+          <a:xfrm>
+            <a:off x="8586188" y="334328"/>
+            <a:ext cx="3259651" cy="274320"/>
+          </a:xfrm>
+          <a:prstGeom prst="rect">
+            <a:avLst/>
+          </a:prstGeom>
+        </p:spPr>
+      </p:pic>
+      <p:grpSp>
+        <p:nvGrpSpPr>
+          <p:cNvPr id="5" name="Group 4">
+            <a:extLst>
+              <a:ext uri="{FF2B5EF4-FFF2-40B4-BE49-F238E27FC236}">
+                <a16:creationId xmlns:a16="http://schemas.microsoft.com/office/drawing/2014/main" id="{C9BFE471-9535-4193-992C-24F60E604093}"/>
+              </a:ext>
+            </a:extLst>
+          </p:cNvPr>
+          <p:cNvGrpSpPr/>
+          <p:nvPr/>
+        </p:nvGrpSpPr>
+        <p:grpSpPr>
+          <a:xfrm>
+            <a:off x="1418966" y="1091787"/>
+            <a:ext cx="9354067" cy="4674426"/>
+            <a:chOff x="1418965" y="1517773"/>
+            <a:chExt cx="9354067" cy="4674426"/>
+          </a:xfrm>
+        </p:grpSpPr>
+        <p:sp>
+          <p:nvSpPr>
+            <p:cNvPr id="3" name="TextBox 2">
+              <a:extLst>
+                <a:ext uri="{FF2B5EF4-FFF2-40B4-BE49-F238E27FC236}">
+                  <a16:creationId xmlns:a16="http://schemas.microsoft.com/office/drawing/2014/main" id="{BB5E61E9-4FB2-4AFD-B01E-545C1483496E}"/>
+                </a:ext>
+              </a:extLst>
+            </p:cNvPr>
+            <p:cNvSpPr txBox="1"/>
+            <p:nvPr/>
+          </p:nvSpPr>
+          <p:spPr>
+            <a:xfrm>
+              <a:off x="5027284" y="1517773"/>
+              <a:ext cx="2137428" cy="477054"/>
+            </a:xfrm>
+            <a:prstGeom prst="rect">
+              <a:avLst/>
+            </a:prstGeom>
+            <a:noFill/>
+          </p:spPr>
+          <p:txBody>
+            <a:bodyPr wrap="square" rtlCol="0">
+              <a:spAutoFit/>
+            </a:bodyPr>
+            <a:lstStyle/>
+            <a:p>
+              <a:pPr algn="ctr"/>
+              <a:r>
+                <a:rPr lang="en-US" sz="2500" b="1">
+                  <a:latin typeface="SVN-Servetica Medium" panose="020B0604020202020204" pitchFamily="34" charset="0"/>
+                  <a:cs typeface="Arial" panose="020B0604020202020204" pitchFamily="34" charset="0"/>
+                </a:rPr>
+                <a:t>Heuristic</a:t>
+              </a:r>
+            </a:p>
+          </p:txBody>
+        </p:sp>
+        <p:sp>
+          <p:nvSpPr>
+            <p:cNvPr id="12" name="TextBox 11">
+              <a:extLst>
+                <a:ext uri="{FF2B5EF4-FFF2-40B4-BE49-F238E27FC236}">
+                  <a16:creationId xmlns:a16="http://schemas.microsoft.com/office/drawing/2014/main" id="{5526F2DF-AA19-4760-8C88-10CB14BA6F4C}"/>
+                </a:ext>
+              </a:extLst>
+            </p:cNvPr>
+            <p:cNvSpPr txBox="1"/>
+            <p:nvPr/>
+          </p:nvSpPr>
+          <p:spPr>
+            <a:xfrm>
+              <a:off x="1418965" y="2221881"/>
+              <a:ext cx="9354067" cy="3970318"/>
+            </a:xfrm>
+            <a:prstGeom prst="rect">
+              <a:avLst/>
+            </a:prstGeom>
+            <a:noFill/>
+          </p:spPr>
+          <p:txBody>
+            <a:bodyPr wrap="square" rtlCol="0">
+              <a:spAutoFit/>
+            </a:bodyPr>
+            <a:lstStyle/>
+            <a:p>
+              <a:pPr lvl="0" algn="just"/>
+              <a:r>
+                <a:rPr lang="en-US" b="1">
+                  <a:latin typeface="SVN-Servetica Thin" panose="020B0403020202020204" pitchFamily="34" charset="0"/>
+                  <a:cs typeface="Arial" panose="020B0604020202020204" pitchFamily="34" charset="0"/>
+                </a:rPr>
+                <a:t>Tiến hành quét các ô xung quanh ô trống đang được xét và đếm số lượng quân mình và quân đối phương theo h</a:t>
+              </a:r>
+              <a:r>
+                <a:rPr lang="vi-VN" b="1">
+                  <a:latin typeface="SVN-Servetica Thin" panose="020B0403020202020204" pitchFamily="34" charset="0"/>
+                  <a:cs typeface="Arial" panose="020B0604020202020204" pitchFamily="34" charset="0"/>
+                </a:rPr>
+                <a:t>ư</a:t>
+              </a:r>
+              <a:r>
+                <a:rPr lang="en-US" b="1">
+                  <a:latin typeface="SVN-Servetica Thin" panose="020B0403020202020204" pitchFamily="34" charset="0"/>
+                  <a:cs typeface="Arial" panose="020B0604020202020204" pitchFamily="34" charset="0"/>
+                </a:rPr>
+                <a:t>ớng ngang, dọc và chéo.</a:t>
+              </a:r>
+            </a:p>
+            <a:p>
+              <a:pPr lvl="0" algn="just"/>
+              <a:endParaRPr lang="en-US" b="1">
+                <a:latin typeface="SVN-Servetica Thin" panose="020B0403020202020204" pitchFamily="34" charset="0"/>
+                <a:cs typeface="Arial" panose="020B0604020202020204" pitchFamily="34" charset="0"/>
+              </a:endParaRPr>
+            </a:p>
+            <a:p>
+              <a:pPr algn="just"/>
+              <a:r>
+                <a:rPr lang="en-US" b="1">
+                  <a:latin typeface="SVN-Servetica Thin" panose="020B0403020202020204" pitchFamily="34" charset="0"/>
+                </a:rPr>
+                <a:t>Nếu số quân đối phương là 2, tức là đã bị chặn hai đầu, trả giá trị của ô trống đó bằng 0. Nếu số quân của ta bằng 4, tức chỉ cần 1 nước đi nữa sẽ chiến thắng, điểm số của ô trống đó sẽ được nhân 5. </a:t>
+              </a:r>
+            </a:p>
+            <a:p>
+              <a:pPr algn="just"/>
+              <a:endParaRPr lang="en-US" b="1">
+                <a:latin typeface="SVN-Servetica Thin" panose="020B0403020202020204" pitchFamily="34" charset="0"/>
+              </a:endParaRPr>
+            </a:p>
+            <a:p>
+              <a:pPr algn="just"/>
+              <a:r>
+                <a:rPr lang="en-US" b="1">
+                  <a:latin typeface="SVN-Servetica Thin" panose="020B0403020202020204" pitchFamily="34" charset="0"/>
+                </a:rPr>
+                <a:t>Trả về kết quả điểm số bằng số điểm tấn công trừ số điểm phòng thủ dựa trên số quân theo bảng điểm ở trên. Tương tự như với hàm tính điểm phòng thủ, tổng điểm sẽ bằng số điểm phòng thủ trừ số điểm tấn công.</a:t>
+              </a:r>
+            </a:p>
+            <a:p>
+              <a:pPr algn="just"/>
+              <a:endParaRPr lang="en-US" b="1">
+                <a:latin typeface="SVN-Servetica Thin" panose="020B0403020202020204" pitchFamily="34" charset="0"/>
+              </a:endParaRPr>
+            </a:p>
+            <a:p>
+              <a:pPr algn="just"/>
+              <a:r>
+                <a:rPr lang="en-US" b="1">
+                  <a:latin typeface="SVN-Servetica Thin" panose="020B0403020202020204" pitchFamily="34" charset="0"/>
+                </a:rPr>
+                <a:t>Tổng số điểm của ô trống được xác định bằng cách tính số tấn công hoặc phòng thủ của cả 4 hướng và so sánh. Nếu số điểm tấn công lớn hơn điểm phòng thủ thì sẽ lựa chọn nước đi tấn công, và ngược lại.</a:t>
+              </a:r>
+            </a:p>
+          </p:txBody>
+        </p:sp>
+      </p:grpSp>
+    </p:spTree>
+    <p:extLst>
+      <p:ext uri="{BB962C8B-B14F-4D97-AF65-F5344CB8AC3E}">
+        <p14:creationId xmlns:p14="http://schemas.microsoft.com/office/powerpoint/2010/main" val="2286445459"/>
+      </p:ext>
+    </p:extLst>
+  </p:cSld>
+  <p:clrMapOvr>
+    <a:masterClrMapping/>
+  </p:clrMapOvr>
+</p:sld>
+</file>
+
+<file path=ppt/slides/slide6.xml><?xml version="1.0" encoding="utf-8"?>
+<p:sld xmlns:a="http://schemas.openxmlformats.org/drawingml/2006/main" xmlns:r="http://schemas.openxmlformats.org/officeDocument/2006/relationships" xmlns:p="http://schemas.openxmlformats.org/presentationml/2006/main">
+  <p:cSld>
+    <p:spTree>
+      <p:nvGrpSpPr>
+        <p:cNvPr id="1" name=""/>
+        <p:cNvGrpSpPr/>
+        <p:nvPr/>
+      </p:nvGrpSpPr>
+      <p:grpSpPr>
+        <a:xfrm>
+          <a:off x="0" y="0"/>
+          <a:ext cx="0" cy="0"/>
+          <a:chOff x="0" y="0"/>
+          <a:chExt cx="0" cy="0"/>
+        </a:xfrm>
+      </p:grpSpPr>
+      <p:pic>
+        <p:nvPicPr>
+          <p:cNvPr id="15" name="Picture 14">
+            <a:extLst>
+              <a:ext uri="{FF2B5EF4-FFF2-40B4-BE49-F238E27FC236}">
+                <a16:creationId xmlns:a16="http://schemas.microsoft.com/office/drawing/2014/main" id="{27367106-2E06-4B87-91F5-CF00FC902DE5}"/>
+              </a:ext>
+            </a:extLst>
+          </p:cNvPr>
+          <p:cNvPicPr>
+            <a:picLocks noChangeAspect="1"/>
+          </p:cNvPicPr>
+          <p:nvPr/>
+        </p:nvPicPr>
+        <p:blipFill>
+          <a:blip r:embed="rId2">
+            <a:extLst>
+              <a:ext uri="{BEBA8EAE-BF5A-486C-A8C5-ECC9F3942E4B}">
+                <a14:imgProps xmlns:a14="http://schemas.microsoft.com/office/drawing/2010/main">
+                  <a14:imgLayer r:embed="rId3">
+                    <a14:imgEffect>
+                      <a14:artisticPencilGrayscale/>
+                    </a14:imgEffect>
+                  </a14:imgLayer>
+                </a14:imgProps>
+              </a:ext>
+              <a:ext uri="{28A0092B-C50C-407E-A947-70E740481C1C}">
+                <a14:useLocalDpi xmlns:a14="http://schemas.microsoft.com/office/drawing/2010/main" val="0"/>
+              </a:ext>
+            </a:extLst>
+          </a:blip>
+          <a:stretch>
+            <a:fillRect/>
+          </a:stretch>
+        </p:blipFill>
+        <p:spPr>
+          <a:xfrm>
+            <a:off x="8586188" y="334328"/>
+            <a:ext cx="3259651" cy="274320"/>
+          </a:xfrm>
+          <a:prstGeom prst="rect">
+            <a:avLst/>
+          </a:prstGeom>
+        </p:spPr>
+      </p:pic>
+      <p:grpSp>
+        <p:nvGrpSpPr>
+          <p:cNvPr id="5" name="Group 4">
+            <a:extLst>
+              <a:ext uri="{FF2B5EF4-FFF2-40B4-BE49-F238E27FC236}">
+                <a16:creationId xmlns:a16="http://schemas.microsoft.com/office/drawing/2014/main" id="{C9BFE471-9535-4193-992C-24F60E604093}"/>
+              </a:ext>
+            </a:extLst>
+          </p:cNvPr>
+          <p:cNvGrpSpPr/>
+          <p:nvPr/>
+        </p:nvGrpSpPr>
+        <p:grpSpPr>
+          <a:xfrm>
+            <a:off x="1669191" y="1784284"/>
+            <a:ext cx="8853618" cy="3289431"/>
+            <a:chOff x="1418965" y="1517773"/>
+            <a:chExt cx="9354067" cy="3289431"/>
+          </a:xfrm>
+        </p:grpSpPr>
+        <p:sp>
+          <p:nvSpPr>
+            <p:cNvPr id="3" name="TextBox 2">
+              <a:extLst>
+                <a:ext uri="{FF2B5EF4-FFF2-40B4-BE49-F238E27FC236}">
+                  <a16:creationId xmlns:a16="http://schemas.microsoft.com/office/drawing/2014/main" id="{BB5E61E9-4FB2-4AFD-B01E-545C1483496E}"/>
+                </a:ext>
+              </a:extLst>
+            </p:cNvPr>
+            <p:cNvSpPr txBox="1"/>
+            <p:nvPr/>
+          </p:nvSpPr>
+          <p:spPr>
+            <a:xfrm>
+              <a:off x="4029403" y="1517773"/>
+              <a:ext cx="4133190" cy="477054"/>
+            </a:xfrm>
+            <a:prstGeom prst="rect">
+              <a:avLst/>
+            </a:prstGeom>
+            <a:noFill/>
+          </p:spPr>
+          <p:txBody>
+            <a:bodyPr wrap="square" rtlCol="0">
+              <a:spAutoFit/>
+            </a:bodyPr>
+            <a:lstStyle/>
+            <a:p>
+              <a:pPr algn="ctr"/>
+              <a:r>
+                <a:rPr lang="en-US" sz="2500" b="1">
+                  <a:latin typeface="SVN-Servetica Medium" panose="020B0604020202020204" pitchFamily="34" charset="0"/>
+                  <a:cs typeface="Arial" panose="020B0604020202020204" pitchFamily="34" charset="0"/>
+                </a:rPr>
+                <a:t>Minimax &amp; Alpha-beta</a:t>
+              </a:r>
+            </a:p>
+          </p:txBody>
+        </p:sp>
+        <p:sp>
+          <p:nvSpPr>
+            <p:cNvPr id="12" name="TextBox 11">
+              <a:extLst>
+                <a:ext uri="{FF2B5EF4-FFF2-40B4-BE49-F238E27FC236}">
+                  <a16:creationId xmlns:a16="http://schemas.microsoft.com/office/drawing/2014/main" id="{5526F2DF-AA19-4760-8C88-10CB14BA6F4C}"/>
+                </a:ext>
+              </a:extLst>
+            </p:cNvPr>
+            <p:cNvSpPr txBox="1"/>
+            <p:nvPr/>
+          </p:nvSpPr>
+          <p:spPr>
+            <a:xfrm>
+              <a:off x="1418965" y="2221881"/>
+              <a:ext cx="9354067" cy="2585323"/>
+            </a:xfrm>
+            <a:prstGeom prst="rect">
+              <a:avLst/>
+            </a:prstGeom>
+            <a:noFill/>
+          </p:spPr>
+          <p:txBody>
+            <a:bodyPr wrap="square" rtlCol="0">
+              <a:spAutoFit/>
+            </a:bodyPr>
+            <a:lstStyle/>
+            <a:p>
+              <a:pPr algn="just"/>
+              <a:r>
+                <a:rPr lang="en-US" b="1">
+                  <a:latin typeface="SVN-Servetica Thin" panose="020B0403020202020204" pitchFamily="34" charset="0"/>
+                </a:rPr>
+                <a:t>Đầu tiên đánh giá bàn cờ và chọn ra 3 ô trống có điểm cao nhất, tiến hành đánh thử.</a:t>
+              </a:r>
+            </a:p>
+            <a:p>
+              <a:pPr algn="just"/>
+              <a:endParaRPr lang="en-US" b="1">
+                <a:latin typeface="SVN-Servetica Thin" panose="020B0403020202020204" pitchFamily="34" charset="0"/>
+              </a:endParaRPr>
+            </a:p>
+            <a:p>
+              <a:pPr algn="just"/>
+              <a:r>
+                <a:rPr lang="en-US" b="1">
+                  <a:latin typeface="SVN-Servetica Thin" panose="020B0403020202020204" pitchFamily="34" charset="0"/>
+                </a:rPr>
+                <a:t>Trong mỗi lượt đánh thử cũng tiến hành đánh giá bàn cờ và chọn ra 3 ô trống cao điểm nhất của người để đánh trả lại. </a:t>
+              </a:r>
+            </a:p>
+            <a:p>
+              <a:pPr algn="just"/>
+              <a:endParaRPr lang="en-US" b="1">
+                <a:latin typeface="SVN-Servetica Thin" panose="020B0403020202020204" pitchFamily="34" charset="0"/>
+              </a:endParaRPr>
+            </a:p>
+            <a:p>
+              <a:pPr algn="just"/>
+              <a:r>
+                <a:rPr lang="en-US" b="1">
+                  <a:latin typeface="SVN-Servetica Thin" panose="020B0403020202020204" pitchFamily="34" charset="0"/>
+                </a:rPr>
+                <a:t>Độ sâu tối đa là 11. </a:t>
+              </a:r>
+            </a:p>
+            <a:p>
+              <a:pPr algn="just"/>
+              <a:endParaRPr lang="en-US" b="1">
+                <a:latin typeface="SVN-Servetica Thin" panose="020B0403020202020204" pitchFamily="34" charset="0"/>
+              </a:endParaRPr>
+            </a:p>
+            <a:p>
+              <a:pPr algn="just"/>
+              <a:r>
+                <a:rPr lang="en-US" b="1">
+                  <a:latin typeface="SVN-Servetica Thin" panose="020B0403020202020204" pitchFamily="34" charset="0"/>
+                </a:rPr>
+                <a:t>Nếu tìm thấy nước đi dẫn tới chiến thắng thì đánh theo nước đó, không thì đánh vào ô có điểm cao nhất.</a:t>
+              </a:r>
+            </a:p>
+          </p:txBody>
+        </p:sp>
+      </p:grpSp>
+    </p:spTree>
+    <p:extLst>
+      <p:ext uri="{BB962C8B-B14F-4D97-AF65-F5344CB8AC3E}">
+        <p14:creationId xmlns:p14="http://schemas.microsoft.com/office/powerpoint/2010/main" val="527620755"/>
+      </p:ext>
+    </p:extLst>
+  </p:cSld>
+  <p:clrMapOvr>
+    <a:masterClrMapping/>
+  </p:clrMapOvr>
+</p:sld>
+</file>
+
+<file path=ppt/slides/slide7.xml><?xml version="1.0" encoding="utf-8"?>
+<p:sld xmlns:a="http://schemas.openxmlformats.org/drawingml/2006/main" xmlns:r="http://schemas.openxmlformats.org/officeDocument/2006/relationships" xmlns:p="http://schemas.openxmlformats.org/presentationml/2006/main">
+  <p:cSld>
+    <p:spTree>
+      <p:nvGrpSpPr>
+        <p:cNvPr id="1" name=""/>
+        <p:cNvGrpSpPr/>
+        <p:nvPr/>
+      </p:nvGrpSpPr>
+      <p:grpSpPr>
+        <a:xfrm>
+          <a:off x="0" y="0"/>
+          <a:ext cx="0" cy="0"/>
+          <a:chOff x="0" y="0"/>
+          <a:chExt cx="0" cy="0"/>
+        </a:xfrm>
+      </p:grpSpPr>
+      <p:pic>
+        <p:nvPicPr>
+          <p:cNvPr id="15" name="Picture 14">
+            <a:extLst>
+              <a:ext uri="{FF2B5EF4-FFF2-40B4-BE49-F238E27FC236}">
+                <a16:creationId xmlns:a16="http://schemas.microsoft.com/office/drawing/2014/main" id="{27367106-2E06-4B87-91F5-CF00FC902DE5}"/>
+              </a:ext>
+            </a:extLst>
+          </p:cNvPr>
+          <p:cNvPicPr>
+            <a:picLocks noChangeAspect="1"/>
+          </p:cNvPicPr>
+          <p:nvPr/>
+        </p:nvPicPr>
+        <p:blipFill>
+          <a:blip r:embed="rId2">
+            <a:extLst>
+              <a:ext uri="{BEBA8EAE-BF5A-486C-A8C5-ECC9F3942E4B}">
+                <a14:imgProps xmlns:a14="http://schemas.microsoft.com/office/drawing/2010/main">
+                  <a14:imgLayer r:embed="rId3">
+                    <a14:imgEffect>
+                      <a14:artisticPencilGrayscale/>
+                    </a14:imgEffect>
+                  </a14:imgLayer>
+                </a14:imgProps>
+              </a:ext>
+              <a:ext uri="{28A0092B-C50C-407E-A947-70E740481C1C}">
+                <a14:useLocalDpi xmlns:a14="http://schemas.microsoft.com/office/drawing/2010/main" val="0"/>
+              </a:ext>
+            </a:extLst>
+          </a:blip>
+          <a:stretch>
+            <a:fillRect/>
+          </a:stretch>
+        </p:blipFill>
+        <p:spPr>
+          <a:xfrm>
+            <a:off x="8586188" y="334328"/>
+            <a:ext cx="3259651" cy="274320"/>
+          </a:xfrm>
+          <a:prstGeom prst="rect">
+            <a:avLst/>
+          </a:prstGeom>
+        </p:spPr>
+      </p:pic>
+      <p:grpSp>
+        <p:nvGrpSpPr>
+          <p:cNvPr id="5" name="Group 4">
+            <a:extLst>
+              <a:ext uri="{FF2B5EF4-FFF2-40B4-BE49-F238E27FC236}">
+                <a16:creationId xmlns:a16="http://schemas.microsoft.com/office/drawing/2014/main" id="{C9BFE471-9535-4193-992C-24F60E604093}"/>
+              </a:ext>
+            </a:extLst>
+          </p:cNvPr>
+          <p:cNvGrpSpPr/>
+          <p:nvPr/>
+        </p:nvGrpSpPr>
+        <p:grpSpPr>
+          <a:xfrm>
+            <a:off x="1669191" y="1922784"/>
+            <a:ext cx="8853618" cy="3012432"/>
+            <a:chOff x="1418965" y="1517773"/>
+            <a:chExt cx="9354067" cy="3012432"/>
+          </a:xfrm>
+        </p:grpSpPr>
+        <p:sp>
+          <p:nvSpPr>
+            <p:cNvPr id="3" name="TextBox 2">
+              <a:extLst>
+                <a:ext uri="{FF2B5EF4-FFF2-40B4-BE49-F238E27FC236}">
+                  <a16:creationId xmlns:a16="http://schemas.microsoft.com/office/drawing/2014/main" id="{BB5E61E9-4FB2-4AFD-B01E-545C1483496E}"/>
+                </a:ext>
+              </a:extLst>
+            </p:cNvPr>
+            <p:cNvSpPr txBox="1"/>
+            <p:nvPr/>
+          </p:nvSpPr>
+          <p:spPr>
+            <a:xfrm>
+              <a:off x="4029403" y="1517773"/>
+              <a:ext cx="4133191" cy="477054"/>
+            </a:xfrm>
+            <a:prstGeom prst="rect">
+              <a:avLst/>
+            </a:prstGeom>
+            <a:noFill/>
+          </p:spPr>
+          <p:txBody>
+            <a:bodyPr wrap="square" rtlCol="0">
+              <a:spAutoFit/>
+            </a:bodyPr>
+            <a:lstStyle/>
+            <a:p>
+              <a:pPr algn="ctr"/>
+              <a:r>
+                <a:rPr lang="en-US" sz="2500" b="1">
+                  <a:latin typeface="SVN-Servetica Medium" panose="020B0604020202020204" pitchFamily="34" charset="0"/>
+                  <a:cs typeface="Arial" panose="020B0604020202020204" pitchFamily="34" charset="0"/>
+                </a:rPr>
+                <a:t>Nh</a:t>
+              </a:r>
+              <a:r>
+                <a:rPr lang="vi-VN" sz="2500" b="1">
+                  <a:latin typeface="SVN-Servetica Medium" panose="020B0604020202020204" pitchFamily="34" charset="0"/>
+                  <a:cs typeface="Arial" panose="020B0604020202020204" pitchFamily="34" charset="0"/>
+                </a:rPr>
+                <a:t>ư</a:t>
+              </a:r>
+              <a:r>
+                <a:rPr lang="en-US" sz="2500" b="1">
+                  <a:latin typeface="SVN-Servetica Medium" panose="020B0604020202020204" pitchFamily="34" charset="0"/>
+                  <a:cs typeface="Arial" panose="020B0604020202020204" pitchFamily="34" charset="0"/>
+                </a:rPr>
+                <a:t>ợc điểm</a:t>
+              </a:r>
+            </a:p>
+          </p:txBody>
+        </p:sp>
+        <p:sp>
+          <p:nvSpPr>
+            <p:cNvPr id="12" name="TextBox 11">
+              <a:extLst>
+                <a:ext uri="{FF2B5EF4-FFF2-40B4-BE49-F238E27FC236}">
+                  <a16:creationId xmlns:a16="http://schemas.microsoft.com/office/drawing/2014/main" id="{5526F2DF-AA19-4760-8C88-10CB14BA6F4C}"/>
+                </a:ext>
+              </a:extLst>
+            </p:cNvPr>
+            <p:cNvSpPr txBox="1"/>
+            <p:nvPr/>
+          </p:nvSpPr>
+          <p:spPr>
+            <a:xfrm>
+              <a:off x="1418965" y="2221881"/>
+              <a:ext cx="9354067" cy="2308324"/>
+            </a:xfrm>
+            <a:prstGeom prst="rect">
+              <a:avLst/>
+            </a:prstGeom>
+            <a:noFill/>
+          </p:spPr>
+          <p:txBody>
+            <a:bodyPr wrap="square" rtlCol="0">
+              <a:spAutoFit/>
+            </a:bodyPr>
+            <a:lstStyle/>
+            <a:p>
+              <a:pPr lvl="0"/>
+              <a:r>
+                <a:rPr lang="en-US" b="1">
+                  <a:latin typeface="SVN-Servetica Thin" panose="020B0403020202020204" pitchFamily="34" charset="0"/>
+                </a:rPr>
+                <a:t>Để có thể tìm kiếm được ô trống có điểm số cao nhất, vẫn phải sử dụng phương pháp vét cạn từng ô trống.</a:t>
+              </a:r>
+            </a:p>
+            <a:p>
+              <a:pPr lvl="0"/>
+              <a:endParaRPr lang="en-US" b="1">
+                <a:latin typeface="SVN-Servetica Thin" panose="020B0403020202020204" pitchFamily="34" charset="0"/>
+              </a:endParaRPr>
+            </a:p>
+            <a:p>
+              <a:pPr lvl="0"/>
+              <a:r>
+                <a:rPr lang="en-US" b="1">
+                  <a:latin typeface="SVN-Servetica Thin" panose="020B0403020202020204" pitchFamily="34" charset="0"/>
+                </a:rPr>
+                <a:t>Thuật toán Heuristic vẫn chưa xét được những trường hợp có lợi thế hơn.</a:t>
+              </a:r>
+            </a:p>
+            <a:p>
+              <a:pPr lvl="0"/>
+              <a:endParaRPr lang="en-US" b="1">
+                <a:latin typeface="SVN-Servetica Thin" panose="020B0403020202020204" pitchFamily="34" charset="0"/>
+              </a:endParaRPr>
+            </a:p>
+            <a:p>
+              <a:pPr lvl="0"/>
+              <a:r>
+                <a:rPr lang="en-US" b="1">
+                  <a:latin typeface="SVN-Servetica Thin" panose="020B0403020202020204" pitchFamily="34" charset="0"/>
+                </a:rPr>
+                <a:t>Thời gian xử lý tạo bàn cờ bằng danh sách các nút (Button) còn chậm.</a:t>
+              </a:r>
+            </a:p>
+            <a:p>
+              <a:pPr lvl="0"/>
+              <a:endParaRPr lang="en-US" b="1">
+                <a:latin typeface="SVN-Servetica Thin" panose="020B0403020202020204" pitchFamily="34" charset="0"/>
+              </a:endParaRPr>
+            </a:p>
+            <a:p>
+              <a:pPr lvl="0"/>
+              <a:r>
+                <a:rPr lang="en-US" b="1">
+                  <a:latin typeface="SVN-Servetica Thin" panose="020B0403020202020204" pitchFamily="34" charset="0"/>
+                </a:rPr>
+                <a:t>Vẫn còn một số lỗi tồn đọng trong quá trình chơi.</a:t>
+              </a:r>
+            </a:p>
+          </p:txBody>
+        </p:sp>
+      </p:grpSp>
+    </p:spTree>
+    <p:extLst>
+      <p:ext uri="{BB962C8B-B14F-4D97-AF65-F5344CB8AC3E}">
+        <p14:creationId xmlns:p14="http://schemas.microsoft.com/office/powerpoint/2010/main" val="3972140666"/>
+      </p:ext>
+    </p:extLst>
+  </p:cSld>
+  <p:clrMapOvr>
+    <a:masterClrMapping/>
+  </p:clrMapOvr>
+</p:sld>
+</file>
+
+<file path=ppt/slides/slide8.xml><?xml version="1.0" encoding="utf-8"?>
+<p:sld xmlns:a="http://schemas.openxmlformats.org/drawingml/2006/main" xmlns:r="http://schemas.openxmlformats.org/officeDocument/2006/relationships" xmlns:p="http://schemas.openxmlformats.org/presentationml/2006/main">
+  <p:cSld>
+    <p:spTree>
+      <p:nvGrpSpPr>
+        <p:cNvPr id="1" name=""/>
+        <p:cNvGrpSpPr/>
+        <p:nvPr/>
+      </p:nvGrpSpPr>
+      <p:grpSpPr>
+        <a:xfrm>
+          <a:off x="0" y="0"/>
+          <a:ext cx="0" cy="0"/>
+          <a:chOff x="0" y="0"/>
+          <a:chExt cx="0" cy="0"/>
+        </a:xfrm>
+      </p:grpSpPr>
+      <p:pic>
+        <p:nvPicPr>
+          <p:cNvPr id="15" name="Picture 14">
+            <a:extLst>
+              <a:ext uri="{FF2B5EF4-FFF2-40B4-BE49-F238E27FC236}">
+                <a16:creationId xmlns:a16="http://schemas.microsoft.com/office/drawing/2014/main" id="{27367106-2E06-4B87-91F5-CF00FC902DE5}"/>
+              </a:ext>
+            </a:extLst>
+          </p:cNvPr>
+          <p:cNvPicPr>
+            <a:picLocks noChangeAspect="1"/>
+          </p:cNvPicPr>
+          <p:nvPr/>
+        </p:nvPicPr>
+        <p:blipFill>
+          <a:blip r:embed="rId2">
+            <a:extLst>
+              <a:ext uri="{BEBA8EAE-BF5A-486C-A8C5-ECC9F3942E4B}">
+                <a14:imgProps xmlns:a14="http://schemas.microsoft.com/office/drawing/2010/main">
+                  <a14:imgLayer r:embed="rId3">
+                    <a14:imgEffect>
+                      <a14:artisticPencilGrayscale/>
+                    </a14:imgEffect>
+                  </a14:imgLayer>
+                </a14:imgProps>
+              </a:ext>
+              <a:ext uri="{28A0092B-C50C-407E-A947-70E740481C1C}">
+                <a14:useLocalDpi xmlns:a14="http://schemas.microsoft.com/office/drawing/2010/main" val="0"/>
+              </a:ext>
+            </a:extLst>
+          </a:blip>
+          <a:stretch>
+            <a:fillRect/>
+          </a:stretch>
+        </p:blipFill>
+        <p:spPr>
+          <a:xfrm>
+            <a:off x="8586188" y="334328"/>
+            <a:ext cx="3259651" cy="274320"/>
+          </a:xfrm>
+          <a:prstGeom prst="rect">
+            <a:avLst/>
+          </a:prstGeom>
+        </p:spPr>
+      </p:pic>
+      <p:grpSp>
+        <p:nvGrpSpPr>
+          <p:cNvPr id="5" name="Group 4">
+            <a:extLst>
+              <a:ext uri="{FF2B5EF4-FFF2-40B4-BE49-F238E27FC236}">
+                <a16:creationId xmlns:a16="http://schemas.microsoft.com/office/drawing/2014/main" id="{C9BFE471-9535-4193-992C-24F60E604093}"/>
+              </a:ext>
+            </a:extLst>
+          </p:cNvPr>
+          <p:cNvGrpSpPr/>
+          <p:nvPr/>
+        </p:nvGrpSpPr>
+        <p:grpSpPr>
+          <a:xfrm>
+            <a:off x="1669191" y="1507285"/>
+            <a:ext cx="8853618" cy="3843429"/>
+            <a:chOff x="1418965" y="1517773"/>
+            <a:chExt cx="9354067" cy="3843429"/>
+          </a:xfrm>
+        </p:grpSpPr>
+        <p:sp>
+          <p:nvSpPr>
+            <p:cNvPr id="3" name="TextBox 2">
+              <a:extLst>
+                <a:ext uri="{FF2B5EF4-FFF2-40B4-BE49-F238E27FC236}">
+                  <a16:creationId xmlns:a16="http://schemas.microsoft.com/office/drawing/2014/main" id="{BB5E61E9-4FB2-4AFD-B01E-545C1483496E}"/>
+                </a:ext>
+              </a:extLst>
+            </p:cNvPr>
+            <p:cNvSpPr txBox="1"/>
+            <p:nvPr/>
+          </p:nvSpPr>
+          <p:spPr>
+            <a:xfrm>
+              <a:off x="4029403" y="1517773"/>
+              <a:ext cx="4133191" cy="477054"/>
+            </a:xfrm>
+            <a:prstGeom prst="rect">
+              <a:avLst/>
+            </a:prstGeom>
+            <a:noFill/>
+          </p:spPr>
+          <p:txBody>
+            <a:bodyPr wrap="square" rtlCol="0">
+              <a:spAutoFit/>
+            </a:bodyPr>
+            <a:lstStyle/>
+            <a:p>
+              <a:pPr algn="ctr"/>
+              <a:r>
+                <a:rPr lang="en-US" sz="2500" b="1">
+                  <a:latin typeface="SVN-Servetica Medium" panose="020B0604020202020204" pitchFamily="34" charset="0"/>
+                  <a:cs typeface="Arial" panose="020B0604020202020204" pitchFamily="34" charset="0"/>
+                </a:rPr>
+                <a:t>H</a:t>
+              </a:r>
+              <a:r>
+                <a:rPr lang="vi-VN" sz="2500" b="1">
+                  <a:latin typeface="SVN-Servetica Medium" panose="020B0604020202020204" pitchFamily="34" charset="0"/>
+                  <a:cs typeface="Arial" panose="020B0604020202020204" pitchFamily="34" charset="0"/>
+                </a:rPr>
+                <a:t>ư</a:t>
+              </a:r>
+              <a:r>
+                <a:rPr lang="en-US" sz="2500" b="1">
+                  <a:latin typeface="SVN-Servetica Medium" panose="020B0604020202020204" pitchFamily="34" charset="0"/>
+                  <a:cs typeface="Arial" panose="020B0604020202020204" pitchFamily="34" charset="0"/>
+                </a:rPr>
+                <a:t>ớng phát triển</a:t>
+              </a:r>
+            </a:p>
+          </p:txBody>
+        </p:sp>
+        <p:sp>
+          <p:nvSpPr>
+            <p:cNvPr id="12" name="TextBox 11">
+              <a:extLst>
+                <a:ext uri="{FF2B5EF4-FFF2-40B4-BE49-F238E27FC236}">
+                  <a16:creationId xmlns:a16="http://schemas.microsoft.com/office/drawing/2014/main" id="{5526F2DF-AA19-4760-8C88-10CB14BA6F4C}"/>
+                </a:ext>
+              </a:extLst>
+            </p:cNvPr>
+            <p:cNvSpPr txBox="1"/>
+            <p:nvPr/>
+          </p:nvSpPr>
+          <p:spPr>
+            <a:xfrm>
+              <a:off x="1418965" y="2221881"/>
+              <a:ext cx="9354067" cy="3139321"/>
+            </a:xfrm>
+            <a:prstGeom prst="rect">
+              <a:avLst/>
+            </a:prstGeom>
+            <a:noFill/>
+          </p:spPr>
+          <p:txBody>
+            <a:bodyPr wrap="square" rtlCol="0">
+              <a:spAutoFit/>
+            </a:bodyPr>
+            <a:lstStyle/>
+            <a:p>
+              <a:pPr lvl="0" algn="ctr"/>
+              <a:r>
+                <a:rPr lang="en-US" b="1">
+                  <a:latin typeface="SVN-Servetica Thin" panose="020B0403020202020204" pitchFamily="34" charset="0"/>
+                </a:rPr>
+                <a:t>Hoàn thiện các chức năng cơ bản còn thiếu.</a:t>
+              </a:r>
+            </a:p>
+            <a:p>
+              <a:pPr lvl="0" algn="ctr"/>
+              <a:endParaRPr lang="en-US" b="1">
+                <a:latin typeface="SVN-Servetica Thin" panose="020B0403020202020204" pitchFamily="34" charset="0"/>
+              </a:endParaRPr>
+            </a:p>
+            <a:p>
+              <a:pPr lvl="0" algn="ctr"/>
+              <a:r>
+                <a:rPr lang="en-US" b="1">
+                  <a:latin typeface="SVN-Servetica Thin" panose="020B0403020202020204" pitchFamily="34" charset="0"/>
+                </a:rPr>
+                <a:t>Kiểm và rà soát, sửa các lỗi còn tồn đọng trong quá trình chơi.</a:t>
+              </a:r>
+            </a:p>
+            <a:p>
+              <a:pPr lvl="0" algn="ctr"/>
+              <a:endParaRPr lang="en-US" b="1">
+                <a:latin typeface="SVN-Servetica Thin" panose="020B0403020202020204" pitchFamily="34" charset="0"/>
+              </a:endParaRPr>
+            </a:p>
+            <a:p>
+              <a:pPr lvl="0" algn="ctr"/>
+              <a:r>
+                <a:rPr lang="en-US" b="1">
+                  <a:latin typeface="SVN-Servetica Thin" panose="020B0403020202020204" pitchFamily="34" charset="0"/>
+                </a:rPr>
+                <a:t>Phát triển thuật toán tính điểm đường đi tối ưu hơn nữa.</a:t>
+              </a:r>
+            </a:p>
+            <a:p>
+              <a:pPr lvl="0" algn="ctr"/>
+              <a:endParaRPr lang="en-US" b="1">
+                <a:latin typeface="SVN-Servetica Thin" panose="020B0403020202020204" pitchFamily="34" charset="0"/>
+              </a:endParaRPr>
+            </a:p>
+            <a:p>
+              <a:pPr lvl="0" algn="ctr"/>
+              <a:r>
+                <a:rPr lang="en-US" b="1">
+                  <a:latin typeface="SVN-Servetica Thin" panose="020B0403020202020204" pitchFamily="34" charset="0"/>
+                </a:rPr>
+                <a:t>Hoàn thiện chức năng “Máy siêu khó”.</a:t>
+              </a:r>
+            </a:p>
+            <a:p>
+              <a:pPr lvl="0" algn="ctr"/>
+              <a:endParaRPr lang="en-US" b="1">
+                <a:latin typeface="SVN-Servetica Thin" panose="020B0403020202020204" pitchFamily="34" charset="0"/>
+              </a:endParaRPr>
+            </a:p>
+            <a:p>
+              <a:pPr lvl="0" algn="ctr"/>
+              <a:r>
+                <a:rPr lang="en-US" b="1">
+                  <a:latin typeface="SVN-Servetica Thin" panose="020B0403020202020204" pitchFamily="34" charset="0"/>
+                </a:rPr>
+                <a:t>Thiết kế giao diện trò chơi thân thiện với người dùng hơn.</a:t>
+              </a:r>
+            </a:p>
+            <a:p>
+              <a:pPr lvl="0" algn="ctr"/>
+              <a:endParaRPr lang="en-US" b="1">
+                <a:latin typeface="SVN-Servetica Thin" panose="020B0403020202020204" pitchFamily="34" charset="0"/>
+              </a:endParaRPr>
+            </a:p>
+            <a:p>
+              <a:pPr algn="ctr"/>
+              <a:r>
+                <a:rPr lang="en-US" b="1">
+                  <a:latin typeface="SVN-Servetica Thin" panose="020B0403020202020204" pitchFamily="34" charset="0"/>
+                </a:rPr>
+                <a:t>Tích hợp các công nghệ mới nhất cho trò chơi.</a:t>
+              </a:r>
+            </a:p>
+          </p:txBody>
+        </p:sp>
+      </p:grpSp>
+    </p:spTree>
+    <p:extLst>
+      <p:ext uri="{BB962C8B-B14F-4D97-AF65-F5344CB8AC3E}">
+        <p14:creationId xmlns:p14="http://schemas.microsoft.com/office/powerpoint/2010/main" val="2787155697"/>
+      </p:ext>
+    </p:extLst>
+  </p:cSld>
+  <p:clrMapOvr>
+    <a:masterClrMapping/>
+  </p:clrMapOvr>
+</p:sld>
+</file>
+
+<file path=ppt/slides/slide9.xml><?xml version="1.0" encoding="utf-8"?>
+<p:sld xmlns:a="http://schemas.openxmlformats.org/drawingml/2006/main" xmlns:r="http://schemas.openxmlformats.org/officeDocument/2006/relationships" xmlns:p="http://schemas.openxmlformats.org/presentationml/2006/main">
+  <p:cSld>
+    <p:spTree>
+      <p:nvGrpSpPr>
+        <p:cNvPr id="1" name=""/>
+        <p:cNvGrpSpPr/>
+        <p:nvPr/>
+      </p:nvGrpSpPr>
+      <p:grpSpPr>
+        <a:xfrm>
+          <a:off x="0" y="0"/>
+          <a:ext cx="0" cy="0"/>
+          <a:chOff x="0" y="0"/>
+          <a:chExt cx="0" cy="0"/>
+        </a:xfrm>
+      </p:grpSpPr>
+      <p:pic>
+        <p:nvPicPr>
+          <p:cNvPr id="15" name="Picture 14">
+            <a:extLst>
+              <a:ext uri="{FF2B5EF4-FFF2-40B4-BE49-F238E27FC236}">
+                <a16:creationId xmlns:a16="http://schemas.microsoft.com/office/drawing/2014/main" id="{27367106-2E06-4B87-91F5-CF00FC902DE5}"/>
+              </a:ext>
+            </a:extLst>
+          </p:cNvPr>
+          <p:cNvPicPr>
+            <a:picLocks noChangeAspect="1"/>
+          </p:cNvPicPr>
+          <p:nvPr/>
+        </p:nvPicPr>
+        <p:blipFill>
+          <a:blip r:embed="rId2">
+            <a:extLst>
+              <a:ext uri="{BEBA8EAE-BF5A-486C-A8C5-ECC9F3942E4B}">
+                <a14:imgProps xmlns:a14="http://schemas.microsoft.com/office/drawing/2010/main">
+                  <a14:imgLayer r:embed="rId3">
+                    <a14:imgEffect>
+                      <a14:artisticPencilGrayscale/>
+                    </a14:imgEffect>
+                  </a14:imgLayer>
+                </a14:imgProps>
+              </a:ext>
+              <a:ext uri="{28A0092B-C50C-407E-A947-70E740481C1C}">
+                <a14:useLocalDpi xmlns:a14="http://schemas.microsoft.com/office/drawing/2010/main" val="0"/>
+              </a:ext>
+            </a:extLst>
+          </a:blip>
+          <a:stretch>
+            <a:fillRect/>
+          </a:stretch>
+        </p:blipFill>
+        <p:spPr>
+          <a:xfrm>
+            <a:off x="8586188" y="334328"/>
+            <a:ext cx="3259651" cy="274320"/>
+          </a:xfrm>
+          <a:prstGeom prst="rect">
+            <a:avLst/>
+          </a:prstGeom>
+        </p:spPr>
+      </p:pic>
+      <p:grpSp>
+        <p:nvGrpSpPr>
+          <p:cNvPr id="6" name="Group 5">
+            <a:extLst>
+              <a:ext uri="{FF2B5EF4-FFF2-40B4-BE49-F238E27FC236}">
+                <a16:creationId xmlns:a16="http://schemas.microsoft.com/office/drawing/2014/main" id="{4CC8BB74-F5E9-4D82-937D-AA83322BAECD}"/>
+              </a:ext>
+            </a:extLst>
+          </p:cNvPr>
+          <p:cNvGrpSpPr/>
+          <p:nvPr/>
+        </p:nvGrpSpPr>
+        <p:grpSpPr>
+          <a:xfrm>
+            <a:off x="2124405" y="1538392"/>
+            <a:ext cx="7943190" cy="3781215"/>
+            <a:chOff x="2198614" y="1567248"/>
+            <a:chExt cx="7943190" cy="3781215"/>
+          </a:xfrm>
+        </p:grpSpPr>
+        <p:sp>
+          <p:nvSpPr>
+            <p:cNvPr id="3" name="TextBox 2">
+              <a:extLst>
+                <a:ext uri="{FF2B5EF4-FFF2-40B4-BE49-F238E27FC236}">
+                  <a16:creationId xmlns:a16="http://schemas.microsoft.com/office/drawing/2014/main" id="{BB57ABD1-CEB8-4745-AD5C-0B145AA22605}"/>
+                </a:ext>
+              </a:extLst>
+            </p:cNvPr>
+            <p:cNvSpPr txBox="1"/>
+            <p:nvPr/>
+          </p:nvSpPr>
+          <p:spPr>
+            <a:xfrm>
+              <a:off x="2198614" y="4948353"/>
+              <a:ext cx="7943190" cy="400110"/>
+            </a:xfrm>
+            <a:prstGeom prst="rect">
+              <a:avLst/>
+            </a:prstGeom>
+            <a:noFill/>
+          </p:spPr>
+          <p:txBody>
+            <a:bodyPr wrap="square" rtlCol="0">
+              <a:spAutoFit/>
+            </a:bodyPr>
+            <a:lstStyle/>
+            <a:p>
+              <a:pPr lvl="0" algn="ctr"/>
+              <a:r>
+                <a:rPr lang="en-US" sz="2000">
+                  <a:hlinkClick r:id="rId4"/>
+                </a:rPr>
+                <a:t>https://github.com/ithgnm/AI-Caro</a:t>
+              </a:r>
+              <a:endParaRPr lang="en-US" sz="2000">
+                <a:latin typeface="SVN-Servetica Thin" panose="020B0403020202020204" pitchFamily="34" charset="0"/>
+              </a:endParaRPr>
+            </a:p>
+          </p:txBody>
+        </p:sp>
+        <p:pic>
+          <p:nvPicPr>
+            <p:cNvPr id="5" name="Picture 4">
+              <a:extLst>
+                <a:ext uri="{FF2B5EF4-FFF2-40B4-BE49-F238E27FC236}">
+                  <a16:creationId xmlns:a16="http://schemas.microsoft.com/office/drawing/2014/main" id="{CE98C60F-1E0E-4D11-BFBD-197BDCCF741D}"/>
+                </a:ext>
+              </a:extLst>
+            </p:cNvPr>
+            <p:cNvPicPr>
+              <a:picLocks noChangeAspect="1"/>
+            </p:cNvPicPr>
+            <p:nvPr/>
+          </p:nvPicPr>
+          <p:blipFill>
+            <a:blip r:embed="rId5">
+              <a:extLst>
+                <a:ext uri="{28A0092B-C50C-407E-A947-70E740481C1C}">
+                  <a14:useLocalDpi xmlns:a14="http://schemas.microsoft.com/office/drawing/2010/main" val="0"/>
+                </a:ext>
+              </a:extLst>
+            </a:blip>
+            <a:stretch>
+              <a:fillRect/>
+            </a:stretch>
+          </p:blipFill>
+          <p:spPr>
+            <a:xfrm>
+              <a:off x="4575157" y="1567248"/>
+              <a:ext cx="3190103" cy="3190103"/>
+            </a:xfrm>
+            <a:prstGeom prst="rect">
+              <a:avLst/>
+            </a:prstGeom>
+          </p:spPr>
+        </p:pic>
+      </p:grpSp>
+    </p:spTree>
+    <p:extLst>
+      <p:ext uri="{BB962C8B-B14F-4D97-AF65-F5344CB8AC3E}">
+        <p14:creationId xmlns:p14="http://schemas.microsoft.com/office/powerpoint/2010/main" val="143168813"/>
       </p:ext>
     </p:extLst>
   </p:cSld>
